--- a/Templates.pptx
+++ b/Templates.pptx
@@ -8,6 +8,8 @@
     <p:sldId id="256" r:id="rId2"/>
     <p:sldId id="258" r:id="rId3"/>
     <p:sldId id="257" r:id="rId4"/>
+    <p:sldId id="259" r:id="rId5"/>
+    <p:sldId id="260" r:id="rId6"/>
   </p:sldIdLst>
   <p:sldSz cx="12192000" cy="6858000"/>
   <p:notesSz cx="6858000" cy="9144000"/>
@@ -164,7 +166,7 @@
           <a:noFill/>
           <a:extLst>
             <a:ext uri="{909E8E84-426E-40dd-AFC4-6F175D3DCCD1}">
-              <a14:hiddenFill xmlns="" xmlns:a14="http://schemas.microsoft.com/office/drawing/2010/main">
+              <a14:hiddenFill xmlns:a14="http://schemas.microsoft.com/office/drawing/2010/main" xmlns="">
                 <a:solidFill>
                   <a:srgbClr val="FFFFFF"/>
                 </a:solidFill>
@@ -224,7 +226,7 @@
             </a:ln>
             <a:extLst>
               <a:ext uri="{91240B29-F687-4f45-9708-019B960494DF}">
-                <a14:hiddenLine xmlns="" xmlns:a14="http://schemas.microsoft.com/office/drawing/2010/main" w="9525">
+                <a14:hiddenLine xmlns:a14="http://schemas.microsoft.com/office/drawing/2010/main" xmlns="" w="9525">
                   <a:solidFill>
                     <a:srgbClr val="000000"/>
                   </a:solidFill>
@@ -314,7 +316,7 @@
             </a:ln>
             <a:extLst>
               <a:ext uri="{91240B29-F687-4f45-9708-019B960494DF}">
-                <a14:hiddenLine xmlns="" xmlns:a14="http://schemas.microsoft.com/office/drawing/2010/main" w="9525">
+                <a14:hiddenLine xmlns:a14="http://schemas.microsoft.com/office/drawing/2010/main" xmlns="" w="9525">
                   <a:solidFill>
                     <a:srgbClr val="000000"/>
                   </a:solidFill>
@@ -404,7 +406,7 @@
             </a:ln>
             <a:extLst>
               <a:ext uri="{91240B29-F687-4f45-9708-019B960494DF}">
-                <a14:hiddenLine xmlns="" xmlns:a14="http://schemas.microsoft.com/office/drawing/2010/main" w="9525">
+                <a14:hiddenLine xmlns:a14="http://schemas.microsoft.com/office/drawing/2010/main" xmlns="" w="9525">
                   <a:solidFill>
                     <a:srgbClr val="000000"/>
                   </a:solidFill>
@@ -438,7 +440,7 @@
             </a:ln>
             <a:extLst>
               <a:ext uri="{91240B29-F687-4f45-9708-019B960494DF}">
-                <a14:hiddenLine xmlns="" xmlns:a14="http://schemas.microsoft.com/office/drawing/2010/main" w="9525">
+                <a14:hiddenLine xmlns:a14="http://schemas.microsoft.com/office/drawing/2010/main" xmlns="" w="9525">
                   <a:solidFill>
                     <a:srgbClr val="000000"/>
                   </a:solidFill>
@@ -528,7 +530,7 @@
             </a:ln>
             <a:extLst>
               <a:ext uri="{91240B29-F687-4f45-9708-019B960494DF}">
-                <a14:hiddenLine xmlns="" xmlns:a14="http://schemas.microsoft.com/office/drawing/2010/main" w="9525">
+                <a14:hiddenLine xmlns:a14="http://schemas.microsoft.com/office/drawing/2010/main" xmlns="" w="9525">
                   <a:solidFill>
                     <a:srgbClr val="000000"/>
                   </a:solidFill>
@@ -590,7 +592,7 @@
             </a:ln>
             <a:extLst>
               <a:ext uri="{91240B29-F687-4f45-9708-019B960494DF}">
-                <a14:hiddenLine xmlns="" xmlns:a14="http://schemas.microsoft.com/office/drawing/2010/main" w="9525">
+                <a14:hiddenLine xmlns:a14="http://schemas.microsoft.com/office/drawing/2010/main" xmlns="" w="9525">
                   <a:solidFill>
                     <a:srgbClr val="000000"/>
                   </a:solidFill>
@@ -652,7 +654,7 @@
             </a:ln>
             <a:extLst>
               <a:ext uri="{91240B29-F687-4f45-9708-019B960494DF}">
-                <a14:hiddenLine xmlns="" xmlns:a14="http://schemas.microsoft.com/office/drawing/2010/main" w="9525">
+                <a14:hiddenLine xmlns:a14="http://schemas.microsoft.com/office/drawing/2010/main" xmlns="" w="9525">
                   <a:solidFill>
                     <a:srgbClr val="000000"/>
                   </a:solidFill>
@@ -742,7 +744,7 @@
             </a:ln>
             <a:extLst>
               <a:ext uri="{91240B29-F687-4f45-9708-019B960494DF}">
-                <a14:hiddenLine xmlns="" xmlns:a14="http://schemas.microsoft.com/office/drawing/2010/main" w="9525">
+                <a14:hiddenLine xmlns:a14="http://schemas.microsoft.com/office/drawing/2010/main" xmlns="" w="9525">
                   <a:solidFill>
                     <a:srgbClr val="000000"/>
                   </a:solidFill>
@@ -804,7 +806,7 @@
             </a:ln>
             <a:extLst>
               <a:ext uri="{91240B29-F687-4f45-9708-019B960494DF}">
-                <a14:hiddenLine xmlns="" xmlns:a14="http://schemas.microsoft.com/office/drawing/2010/main" w="9525">
+                <a14:hiddenLine xmlns:a14="http://schemas.microsoft.com/office/drawing/2010/main" xmlns="" w="9525">
                   <a:solidFill>
                     <a:srgbClr val="000000"/>
                   </a:solidFill>
@@ -866,7 +868,7 @@
             </a:ln>
             <a:extLst>
               <a:ext uri="{91240B29-F687-4f45-9708-019B960494DF}">
-                <a14:hiddenLine xmlns="" xmlns:a14="http://schemas.microsoft.com/office/drawing/2010/main" w="9525">
+                <a14:hiddenLine xmlns:a14="http://schemas.microsoft.com/office/drawing/2010/main" xmlns="" w="9525">
                   <a:solidFill>
                     <a:srgbClr val="000000"/>
                   </a:solidFill>
@@ -956,7 +958,7 @@
             </a:ln>
             <a:extLst>
               <a:ext uri="{91240B29-F687-4f45-9708-019B960494DF}">
-                <a14:hiddenLine xmlns="" xmlns:a14="http://schemas.microsoft.com/office/drawing/2010/main" w="9525">
+                <a14:hiddenLine xmlns:a14="http://schemas.microsoft.com/office/drawing/2010/main" xmlns="" w="9525">
                   <a:solidFill>
                     <a:srgbClr val="000000"/>
                   </a:solidFill>
@@ -1046,7 +1048,7 @@
             </a:ln>
             <a:extLst>
               <a:ext uri="{91240B29-F687-4f45-9708-019B960494DF}">
-                <a14:hiddenLine xmlns="" xmlns:a14="http://schemas.microsoft.com/office/drawing/2010/main" w="9525">
+                <a14:hiddenLine xmlns:a14="http://schemas.microsoft.com/office/drawing/2010/main" xmlns="" w="9525">
                   <a:solidFill>
                     <a:srgbClr val="000000"/>
                   </a:solidFill>
@@ -1108,7 +1110,7 @@
             </a:ln>
             <a:extLst>
               <a:ext uri="{91240B29-F687-4f45-9708-019B960494DF}">
-                <a14:hiddenLine xmlns="" xmlns:a14="http://schemas.microsoft.com/office/drawing/2010/main" w="9525">
+                <a14:hiddenLine xmlns:a14="http://schemas.microsoft.com/office/drawing/2010/main" xmlns="" w="9525">
                   <a:solidFill>
                     <a:srgbClr val="000000"/>
                   </a:solidFill>
@@ -1218,7 +1220,7 @@
             </a:ln>
             <a:extLst>
               <a:ext uri="{91240B29-F687-4f45-9708-019B960494DF}">
-                <a14:hiddenLine xmlns="" xmlns:a14="http://schemas.microsoft.com/office/drawing/2010/main" w="9525">
+                <a14:hiddenLine xmlns:a14="http://schemas.microsoft.com/office/drawing/2010/main" xmlns="" w="9525">
                   <a:solidFill>
                     <a:srgbClr val="000000"/>
                   </a:solidFill>
@@ -1280,7 +1282,7 @@
             </a:ln>
             <a:extLst>
               <a:ext uri="{91240B29-F687-4f45-9708-019B960494DF}">
-                <a14:hiddenLine xmlns="" xmlns:a14="http://schemas.microsoft.com/office/drawing/2010/main" w="9525">
+                <a14:hiddenLine xmlns:a14="http://schemas.microsoft.com/office/drawing/2010/main" xmlns="" w="9525">
                   <a:solidFill>
                     <a:srgbClr val="000000"/>
                   </a:solidFill>
@@ -1370,7 +1372,7 @@
             </a:ln>
             <a:extLst>
               <a:ext uri="{91240B29-F687-4f45-9708-019B960494DF}">
-                <a14:hiddenLine xmlns="" xmlns:a14="http://schemas.microsoft.com/office/drawing/2010/main" w="9525">
+                <a14:hiddenLine xmlns:a14="http://schemas.microsoft.com/office/drawing/2010/main" xmlns="" w="9525">
                   <a:solidFill>
                     <a:srgbClr val="000000"/>
                   </a:solidFill>
@@ -1460,7 +1462,7 @@
             </a:ln>
             <a:extLst>
               <a:ext uri="{91240B29-F687-4f45-9708-019B960494DF}">
-                <a14:hiddenLine xmlns="" xmlns:a14="http://schemas.microsoft.com/office/drawing/2010/main" w="9525">
+                <a14:hiddenLine xmlns:a14="http://schemas.microsoft.com/office/drawing/2010/main" xmlns="" w="9525">
                   <a:solidFill>
                     <a:srgbClr val="000000"/>
                   </a:solidFill>
@@ -1522,7 +1524,7 @@
             </a:ln>
             <a:extLst>
               <a:ext uri="{91240B29-F687-4f45-9708-019B960494DF}">
-                <a14:hiddenLine xmlns="" xmlns:a14="http://schemas.microsoft.com/office/drawing/2010/main" w="9525">
+                <a14:hiddenLine xmlns:a14="http://schemas.microsoft.com/office/drawing/2010/main" xmlns="" w="9525">
                   <a:solidFill>
                     <a:srgbClr val="000000"/>
                   </a:solidFill>
@@ -1612,7 +1614,7 @@
             </a:ln>
             <a:extLst>
               <a:ext uri="{91240B29-F687-4f45-9708-019B960494DF}">
-                <a14:hiddenLine xmlns="" xmlns:a14="http://schemas.microsoft.com/office/drawing/2010/main" w="9525">
+                <a14:hiddenLine xmlns:a14="http://schemas.microsoft.com/office/drawing/2010/main" xmlns="" w="9525">
                   <a:solidFill>
                     <a:srgbClr val="000000"/>
                   </a:solidFill>
@@ -1702,7 +1704,7 @@
             </a:ln>
             <a:extLst>
               <a:ext uri="{91240B29-F687-4f45-9708-019B960494DF}">
-                <a14:hiddenLine xmlns="" xmlns:a14="http://schemas.microsoft.com/office/drawing/2010/main" w="9525">
+                <a14:hiddenLine xmlns:a14="http://schemas.microsoft.com/office/drawing/2010/main" xmlns="" w="9525">
                   <a:solidFill>
                     <a:srgbClr val="000000"/>
                   </a:solidFill>
@@ -1758,7 +1760,7 @@
             </a:ln>
             <a:extLst>
               <a:ext uri="{91240B29-F687-4f45-9708-019B960494DF}">
-                <a14:hiddenLine xmlns="" xmlns:a14="http://schemas.microsoft.com/office/drawing/2010/main" w="9525">
+                <a14:hiddenLine xmlns:a14="http://schemas.microsoft.com/office/drawing/2010/main" xmlns="" w="9525">
                   <a:solidFill>
                     <a:srgbClr val="000000"/>
                   </a:solidFill>
@@ -1848,7 +1850,7 @@
             </a:ln>
             <a:extLst>
               <a:ext uri="{91240B29-F687-4f45-9708-019B960494DF}">
-                <a14:hiddenLine xmlns="" xmlns:a14="http://schemas.microsoft.com/office/drawing/2010/main" w="9525">
+                <a14:hiddenLine xmlns:a14="http://schemas.microsoft.com/office/drawing/2010/main" xmlns="" w="9525">
                   <a:solidFill>
                     <a:srgbClr val="000000"/>
                   </a:solidFill>
@@ -1904,7 +1906,7 @@
             </a:ln>
             <a:extLst>
               <a:ext uri="{91240B29-F687-4f45-9708-019B960494DF}">
-                <a14:hiddenLine xmlns="" xmlns:a14="http://schemas.microsoft.com/office/drawing/2010/main" w="9525">
+                <a14:hiddenLine xmlns:a14="http://schemas.microsoft.com/office/drawing/2010/main" xmlns="" w="9525">
                   <a:solidFill>
                     <a:srgbClr val="000000"/>
                   </a:solidFill>
@@ -1994,7 +1996,7 @@
             </a:ln>
             <a:extLst>
               <a:ext uri="{91240B29-F687-4f45-9708-019B960494DF}">
-                <a14:hiddenLine xmlns="" xmlns:a14="http://schemas.microsoft.com/office/drawing/2010/main" w="9525">
+                <a14:hiddenLine xmlns:a14="http://schemas.microsoft.com/office/drawing/2010/main" xmlns="" w="9525">
                   <a:solidFill>
                     <a:srgbClr val="000000"/>
                   </a:solidFill>
@@ -2062,7 +2064,7 @@
             </a:ln>
             <a:extLst>
               <a:ext uri="{91240B29-F687-4f45-9708-019B960494DF}">
-                <a14:hiddenLine xmlns="" xmlns:a14="http://schemas.microsoft.com/office/drawing/2010/main" w="9525">
+                <a14:hiddenLine xmlns:a14="http://schemas.microsoft.com/office/drawing/2010/main" xmlns="" w="9525">
                   <a:solidFill>
                     <a:srgbClr val="000000"/>
                   </a:solidFill>
@@ -2152,7 +2154,7 @@
             </a:ln>
             <a:extLst>
               <a:ext uri="{91240B29-F687-4f45-9708-019B960494DF}">
-                <a14:hiddenLine xmlns="" xmlns:a14="http://schemas.microsoft.com/office/drawing/2010/main" w="9525">
+                <a14:hiddenLine xmlns:a14="http://schemas.microsoft.com/office/drawing/2010/main" xmlns="" w="9525">
                   <a:solidFill>
                     <a:srgbClr val="000000"/>
                   </a:solidFill>
@@ -2220,7 +2222,7 @@
             </a:ln>
             <a:extLst>
               <a:ext uri="{91240B29-F687-4f45-9708-019B960494DF}">
-                <a14:hiddenLine xmlns="" xmlns:a14="http://schemas.microsoft.com/office/drawing/2010/main" w="9525">
+                <a14:hiddenLine xmlns:a14="http://schemas.microsoft.com/office/drawing/2010/main" xmlns="" w="9525">
                   <a:solidFill>
                     <a:srgbClr val="000000"/>
                   </a:solidFill>
@@ -2310,7 +2312,7 @@
             </a:ln>
             <a:extLst>
               <a:ext uri="{91240B29-F687-4f45-9708-019B960494DF}">
-                <a14:hiddenLine xmlns="" xmlns:a14="http://schemas.microsoft.com/office/drawing/2010/main" w="9525">
+                <a14:hiddenLine xmlns:a14="http://schemas.microsoft.com/office/drawing/2010/main" xmlns="" w="9525">
                   <a:solidFill>
                     <a:srgbClr val="000000"/>
                   </a:solidFill>
@@ -2344,7 +2346,7 @@
             </a:ln>
             <a:extLst>
               <a:ext uri="{91240B29-F687-4f45-9708-019B960494DF}">
-                <a14:hiddenLine xmlns="" xmlns:a14="http://schemas.microsoft.com/office/drawing/2010/main" w="9525">
+                <a14:hiddenLine xmlns:a14="http://schemas.microsoft.com/office/drawing/2010/main" xmlns="" w="9525">
                   <a:solidFill>
                     <a:srgbClr val="000000"/>
                   </a:solidFill>
@@ -2434,7 +2436,7 @@
             </a:ln>
             <a:extLst>
               <a:ext uri="{91240B29-F687-4f45-9708-019B960494DF}">
-                <a14:hiddenLine xmlns="" xmlns:a14="http://schemas.microsoft.com/office/drawing/2010/main" w="9525">
+                <a14:hiddenLine xmlns:a14="http://schemas.microsoft.com/office/drawing/2010/main" xmlns="" w="9525">
                   <a:solidFill>
                     <a:srgbClr val="000000"/>
                   </a:solidFill>
@@ -2496,7 +2498,7 @@
             </a:ln>
             <a:extLst>
               <a:ext uri="{91240B29-F687-4f45-9708-019B960494DF}">
-                <a14:hiddenLine xmlns="" xmlns:a14="http://schemas.microsoft.com/office/drawing/2010/main" w="9525">
+                <a14:hiddenLine xmlns:a14="http://schemas.microsoft.com/office/drawing/2010/main" xmlns="" w="9525">
                   <a:solidFill>
                     <a:srgbClr val="000000"/>
                   </a:solidFill>
@@ -2558,7 +2560,7 @@
             </a:ln>
             <a:extLst>
               <a:ext uri="{91240B29-F687-4f45-9708-019B960494DF}">
-                <a14:hiddenLine xmlns="" xmlns:a14="http://schemas.microsoft.com/office/drawing/2010/main" w="9525">
+                <a14:hiddenLine xmlns:a14="http://schemas.microsoft.com/office/drawing/2010/main" xmlns="" w="9525">
                   <a:solidFill>
                     <a:srgbClr val="000000"/>
                   </a:solidFill>
@@ -2648,7 +2650,7 @@
             </a:ln>
             <a:extLst>
               <a:ext uri="{91240B29-F687-4f45-9708-019B960494DF}">
-                <a14:hiddenLine xmlns="" xmlns:a14="http://schemas.microsoft.com/office/drawing/2010/main" w="9525">
+                <a14:hiddenLine xmlns:a14="http://schemas.microsoft.com/office/drawing/2010/main" xmlns="" w="9525">
                   <a:solidFill>
                     <a:srgbClr val="000000"/>
                   </a:solidFill>
@@ -2716,7 +2718,7 @@
             </a:ln>
             <a:extLst>
               <a:ext uri="{91240B29-F687-4f45-9708-019B960494DF}">
-                <a14:hiddenLine xmlns="" xmlns:a14="http://schemas.microsoft.com/office/drawing/2010/main" w="9525">
+                <a14:hiddenLine xmlns:a14="http://schemas.microsoft.com/office/drawing/2010/main" xmlns="" w="9525">
                   <a:solidFill>
                     <a:srgbClr val="000000"/>
                   </a:solidFill>
@@ -2778,7 +2780,7 @@
             </a:ln>
             <a:extLst>
               <a:ext uri="{91240B29-F687-4f45-9708-019B960494DF}">
-                <a14:hiddenLine xmlns="" xmlns:a14="http://schemas.microsoft.com/office/drawing/2010/main" w="9525">
+                <a14:hiddenLine xmlns:a14="http://schemas.microsoft.com/office/drawing/2010/main" xmlns="" w="9525">
                   <a:solidFill>
                     <a:srgbClr val="000000"/>
                   </a:solidFill>
@@ -2868,7 +2870,7 @@
             </a:ln>
             <a:extLst>
               <a:ext uri="{91240B29-F687-4f45-9708-019B960494DF}">
-                <a14:hiddenLine xmlns="" xmlns:a14="http://schemas.microsoft.com/office/drawing/2010/main" w="9525">
+                <a14:hiddenLine xmlns:a14="http://schemas.microsoft.com/office/drawing/2010/main" xmlns="" w="9525">
                   <a:solidFill>
                     <a:srgbClr val="000000"/>
                   </a:solidFill>
@@ -2930,7 +2932,7 @@
             </a:ln>
             <a:extLst>
               <a:ext uri="{91240B29-F687-4f45-9708-019B960494DF}">
-                <a14:hiddenLine xmlns="" xmlns:a14="http://schemas.microsoft.com/office/drawing/2010/main" w="9525">
+                <a14:hiddenLine xmlns:a14="http://schemas.microsoft.com/office/drawing/2010/main" xmlns="" w="9525">
                   <a:solidFill>
                     <a:srgbClr val="000000"/>
                   </a:solidFill>
@@ -3020,7 +3022,7 @@
             </a:ln>
             <a:extLst>
               <a:ext uri="{91240B29-F687-4f45-9708-019B960494DF}">
-                <a14:hiddenLine xmlns="" xmlns:a14="http://schemas.microsoft.com/office/drawing/2010/main" w="9525">
+                <a14:hiddenLine xmlns:a14="http://schemas.microsoft.com/office/drawing/2010/main" xmlns="" w="9525">
                   <a:solidFill>
                     <a:srgbClr val="000000"/>
                   </a:solidFill>
@@ -3082,7 +3084,7 @@
             </a:ln>
             <a:extLst>
               <a:ext uri="{91240B29-F687-4f45-9708-019B960494DF}">
-                <a14:hiddenLine xmlns="" xmlns:a14="http://schemas.microsoft.com/office/drawing/2010/main" w="9525">
+                <a14:hiddenLine xmlns:a14="http://schemas.microsoft.com/office/drawing/2010/main" xmlns="" w="9525">
                   <a:solidFill>
                     <a:srgbClr val="000000"/>
                   </a:solidFill>
@@ -3172,7 +3174,7 @@
             </a:ln>
             <a:extLst>
               <a:ext uri="{91240B29-F687-4f45-9708-019B960494DF}">
-                <a14:hiddenLine xmlns="" xmlns:a14="http://schemas.microsoft.com/office/drawing/2010/main" w="9525">
+                <a14:hiddenLine xmlns:a14="http://schemas.microsoft.com/office/drawing/2010/main" xmlns="" w="9525">
                   <a:solidFill>
                     <a:srgbClr val="000000"/>
                   </a:solidFill>
@@ -3206,7 +3208,7 @@
             </a:ln>
             <a:extLst>
               <a:ext uri="{91240B29-F687-4f45-9708-019B960494DF}">
-                <a14:hiddenLine xmlns="" xmlns:a14="http://schemas.microsoft.com/office/drawing/2010/main" w="9525">
+                <a14:hiddenLine xmlns:a14="http://schemas.microsoft.com/office/drawing/2010/main" xmlns="" w="9525">
                   <a:solidFill>
                     <a:srgbClr val="000000"/>
                   </a:solidFill>
@@ -3271,7 +3273,7 @@
             </a:ln>
             <a:extLst>
               <a:ext uri="{91240B29-F687-4f45-9708-019B960494DF}">
-                <a14:hiddenLine xmlns="" xmlns:a14="http://schemas.microsoft.com/office/drawing/2010/main" w="9525">
+                <a14:hiddenLine xmlns:a14="http://schemas.microsoft.com/office/drawing/2010/main" xmlns="" w="9525">
                   <a:solidFill>
                     <a:srgbClr val="000000"/>
                   </a:solidFill>
@@ -3361,7 +3363,7 @@
             </a:ln>
             <a:extLst>
               <a:ext uri="{91240B29-F687-4f45-9708-019B960494DF}">
-                <a14:hiddenLine xmlns="" xmlns:a14="http://schemas.microsoft.com/office/drawing/2010/main" w="9525">
+                <a14:hiddenLine xmlns:a14="http://schemas.microsoft.com/office/drawing/2010/main" xmlns="" w="9525">
                   <a:solidFill>
                     <a:srgbClr val="000000"/>
                   </a:solidFill>
@@ -3423,7 +3425,7 @@
             </a:ln>
             <a:extLst>
               <a:ext uri="{91240B29-F687-4f45-9708-019B960494DF}">
-                <a14:hiddenLine xmlns="" xmlns:a14="http://schemas.microsoft.com/office/drawing/2010/main" w="9525">
+                <a14:hiddenLine xmlns:a14="http://schemas.microsoft.com/office/drawing/2010/main" xmlns="" w="9525">
                   <a:solidFill>
                     <a:srgbClr val="000000"/>
                   </a:solidFill>
@@ -3513,7 +3515,7 @@
             </a:ln>
             <a:extLst>
               <a:ext uri="{91240B29-F687-4f45-9708-019B960494DF}">
-                <a14:hiddenLine xmlns="" xmlns:a14="http://schemas.microsoft.com/office/drawing/2010/main" w="9525">
+                <a14:hiddenLine xmlns:a14="http://schemas.microsoft.com/office/drawing/2010/main" xmlns="" w="9525">
                   <a:solidFill>
                     <a:srgbClr val="000000"/>
                   </a:solidFill>
@@ -3603,7 +3605,7 @@
             </a:ln>
             <a:extLst>
               <a:ext uri="{91240B29-F687-4f45-9708-019B960494DF}">
-                <a14:hiddenLine xmlns="" xmlns:a14="http://schemas.microsoft.com/office/drawing/2010/main" w="9525">
+                <a14:hiddenLine xmlns:a14="http://schemas.microsoft.com/office/drawing/2010/main" xmlns="" w="9525">
                   <a:solidFill>
                     <a:srgbClr val="000000"/>
                   </a:solidFill>
@@ -3668,7 +3670,7 @@
             </a:ln>
             <a:extLst>
               <a:ext uri="{91240B29-F687-4f45-9708-019B960494DF}">
-                <a14:hiddenLine xmlns="" xmlns:a14="http://schemas.microsoft.com/office/drawing/2010/main" w="9525">
+                <a14:hiddenLine xmlns:a14="http://schemas.microsoft.com/office/drawing/2010/main" xmlns="" w="9525">
                   <a:solidFill>
                     <a:srgbClr val="000000"/>
                   </a:solidFill>
@@ -3730,7 +3732,7 @@
             </a:ln>
             <a:extLst>
               <a:ext uri="{91240B29-F687-4f45-9708-019B960494DF}">
-                <a14:hiddenLine xmlns="" xmlns:a14="http://schemas.microsoft.com/office/drawing/2010/main" w="9525">
+                <a14:hiddenLine xmlns:a14="http://schemas.microsoft.com/office/drawing/2010/main" xmlns="" w="9525">
                   <a:solidFill>
                     <a:srgbClr val="000000"/>
                   </a:solidFill>
@@ -3820,7 +3822,7 @@
             </a:ln>
             <a:extLst>
               <a:ext uri="{91240B29-F687-4f45-9708-019B960494DF}">
-                <a14:hiddenLine xmlns="" xmlns:a14="http://schemas.microsoft.com/office/drawing/2010/main" w="9525">
+                <a14:hiddenLine xmlns:a14="http://schemas.microsoft.com/office/drawing/2010/main" xmlns="" w="9525">
                   <a:solidFill>
                     <a:srgbClr val="000000"/>
                   </a:solidFill>
@@ -3910,7 +3912,7 @@
             </a:ln>
             <a:extLst>
               <a:ext uri="{91240B29-F687-4f45-9708-019B960494DF}">
-                <a14:hiddenLine xmlns="" xmlns:a14="http://schemas.microsoft.com/office/drawing/2010/main" w="9525">
+                <a14:hiddenLine xmlns:a14="http://schemas.microsoft.com/office/drawing/2010/main" xmlns="" w="9525">
                   <a:solidFill>
                     <a:srgbClr val="000000"/>
                   </a:solidFill>
@@ -3972,7 +3974,7 @@
             </a:ln>
             <a:extLst>
               <a:ext uri="{91240B29-F687-4f45-9708-019B960494DF}">
-                <a14:hiddenLine xmlns="" xmlns:a14="http://schemas.microsoft.com/office/drawing/2010/main" w="9525">
+                <a14:hiddenLine xmlns:a14="http://schemas.microsoft.com/office/drawing/2010/main" xmlns="" w="9525">
                   <a:solidFill>
                     <a:srgbClr val="000000"/>
                   </a:solidFill>
@@ -4092,7 +4094,7 @@
             </a:ln>
             <a:extLst>
               <a:ext uri="{91240B29-F687-4f45-9708-019B960494DF}">
-                <a14:hiddenLine xmlns="" xmlns:a14="http://schemas.microsoft.com/office/drawing/2010/main" w="9525">
+                <a14:hiddenLine xmlns:a14="http://schemas.microsoft.com/office/drawing/2010/main" xmlns="" w="9525">
                   <a:solidFill>
                     <a:srgbClr val="000000"/>
                   </a:solidFill>
@@ -4160,7 +4162,7 @@
             </a:ln>
             <a:extLst>
               <a:ext uri="{91240B29-F687-4f45-9708-019B960494DF}">
-                <a14:hiddenLine xmlns="" xmlns:a14="http://schemas.microsoft.com/office/drawing/2010/main" w="9525">
+                <a14:hiddenLine xmlns:a14="http://schemas.microsoft.com/office/drawing/2010/main" xmlns="" w="9525">
                   <a:solidFill>
                     <a:srgbClr val="000000"/>
                   </a:solidFill>
@@ -4250,7 +4252,7 @@
             </a:ln>
             <a:extLst>
               <a:ext uri="{91240B29-F687-4f45-9708-019B960494DF}">
-                <a14:hiddenLine xmlns="" xmlns:a14="http://schemas.microsoft.com/office/drawing/2010/main" w="9525">
+                <a14:hiddenLine xmlns:a14="http://schemas.microsoft.com/office/drawing/2010/main" xmlns="" w="9525">
                   <a:solidFill>
                     <a:srgbClr val="000000"/>
                   </a:solidFill>
@@ -4390,7 +4392,7 @@
           <a:p>
             <a:fld id="{48A87A34-81AB-432B-8DAE-1953F412C126}" type="datetimeFigureOut">
               <a:rPr lang="en-US" dirty="0"/>
-              <a:t>4/17/2015</a:t>
+              <a:t>4/24/2015</a:t>
             </a:fld>
             <a:endParaRPr lang="en-US" dirty="0"/>
           </a:p>
@@ -4561,7 +4563,7 @@
               <a:buNone/>
             </a:pPr>
             <a:r>
-              <a:rPr lang="en-US" smtClean="0"/>
+              <a:rPr lang="en-US" dirty="0" smtClean="0"/>
               <a:t>Click icon to add picture</a:t>
             </a:r>
             <a:endParaRPr lang="en-US" dirty="0"/>
@@ -4652,7 +4654,7 @@
           <a:p>
             <a:fld id="{48A87A34-81AB-432B-8DAE-1953F412C126}" type="datetimeFigureOut">
               <a:rPr lang="en-US" dirty="0"/>
-              <a:t>4/17/2015</a:t>
+              <a:t>4/24/2015</a:t>
             </a:fld>
             <a:endParaRPr lang="en-US" dirty="0"/>
           </a:p>
@@ -4843,7 +4845,7 @@
           <a:p>
             <a:fld id="{48A87A34-81AB-432B-8DAE-1953F412C126}" type="datetimeFigureOut">
               <a:rPr lang="en-US" dirty="0"/>
-              <a:t>4/17/2015</a:t>
+              <a:t>4/24/2015</a:t>
             </a:fld>
             <a:endParaRPr lang="en-US" dirty="0"/>
           </a:p>
@@ -5101,7 +5103,7 @@
           <a:p>
             <a:fld id="{48A87A34-81AB-432B-8DAE-1953F412C126}" type="datetimeFigureOut">
               <a:rPr lang="en-US" dirty="0"/>
-              <a:t>4/17/2015</a:t>
+              <a:t>4/24/2015</a:t>
             </a:fld>
             <a:endParaRPr lang="en-US" dirty="0"/>
           </a:p>
@@ -5530,7 +5532,7 @@
           <a:p>
             <a:fld id="{48A87A34-81AB-432B-8DAE-1953F412C126}" type="datetimeFigureOut">
               <a:rPr lang="en-US" dirty="0"/>
-              <a:t>4/17/2015</a:t>
+              <a:t>4/24/2015</a:t>
             </a:fld>
             <a:endParaRPr lang="en-US" dirty="0"/>
           </a:p>
@@ -6071,7 +6073,7 @@
           <a:p>
             <a:fld id="{48A87A34-81AB-432B-8DAE-1953F412C126}" type="datetimeFigureOut">
               <a:rPr lang="en-US" dirty="0"/>
-              <a:t>4/17/2015</a:t>
+              <a:t>4/24/2015</a:t>
             </a:fld>
             <a:endParaRPr lang="en-US" dirty="0"/>
           </a:p>
@@ -6297,7 +6299,7 @@
               <a:buNone/>
             </a:pPr>
             <a:r>
-              <a:rPr lang="en-US" smtClean="0"/>
+              <a:rPr lang="en-US" dirty="0" smtClean="0"/>
               <a:t>Click icon to add picture</a:t>
             </a:r>
             <a:endParaRPr lang="en-US" dirty="0"/>
@@ -6496,7 +6498,7 @@
               <a:buNone/>
             </a:pPr>
             <a:r>
-              <a:rPr lang="en-US" smtClean="0"/>
+              <a:rPr lang="en-US" dirty="0" smtClean="0"/>
               <a:t>Click icon to add picture</a:t>
             </a:r>
             <a:endParaRPr lang="en-US" dirty="0"/>
@@ -6695,7 +6697,7 @@
               <a:buNone/>
             </a:pPr>
             <a:r>
-              <a:rPr lang="en-US" smtClean="0"/>
+              <a:rPr lang="en-US" dirty="0" smtClean="0"/>
               <a:t>Click icon to add picture</a:t>
             </a:r>
             <a:endParaRPr lang="en-US" dirty="0"/>
@@ -6786,7 +6788,7 @@
           <a:p>
             <a:fld id="{48A87A34-81AB-432B-8DAE-1953F412C126}" type="datetimeFigureOut">
               <a:rPr lang="en-US" dirty="0"/>
-              <a:t>4/17/2015</a:t>
+              <a:t>4/24/2015</a:t>
             </a:fld>
             <a:endParaRPr lang="en-US" dirty="0"/>
           </a:p>
@@ -6951,7 +6953,7 @@
           <a:p>
             <a:fld id="{48A87A34-81AB-432B-8DAE-1953F412C126}" type="datetimeFigureOut">
               <a:rPr lang="en-US" dirty="0"/>
-              <a:t>4/17/2015</a:t>
+              <a:t>4/24/2015</a:t>
             </a:fld>
             <a:endParaRPr lang="en-US" dirty="0"/>
           </a:p>
@@ -7126,7 +7128,7 @@
           <a:p>
             <a:fld id="{48A87A34-81AB-432B-8DAE-1953F412C126}" type="datetimeFigureOut">
               <a:rPr lang="en-US" dirty="0"/>
-              <a:t>4/17/2015</a:t>
+              <a:t>4/24/2015</a:t>
             </a:fld>
             <a:endParaRPr lang="en-US" dirty="0"/>
           </a:p>
@@ -7291,7 +7293,7 @@
           <a:p>
             <a:fld id="{48A87A34-81AB-432B-8DAE-1953F412C126}" type="datetimeFigureOut">
               <a:rPr lang="en-US" dirty="0"/>
-              <a:t>4/17/2015</a:t>
+              <a:t>4/24/2015</a:t>
             </a:fld>
             <a:endParaRPr lang="en-US" dirty="0"/>
           </a:p>
@@ -7536,7 +7538,7 @@
           <a:p>
             <a:fld id="{48A87A34-81AB-432B-8DAE-1953F412C126}" type="datetimeFigureOut">
               <a:rPr lang="en-US" dirty="0"/>
-              <a:t>4/17/2015</a:t>
+              <a:t>4/24/2015</a:t>
             </a:fld>
             <a:endParaRPr lang="en-US" dirty="0"/>
           </a:p>
@@ -7763,7 +7765,7 @@
           <a:p>
             <a:fld id="{48A87A34-81AB-432B-8DAE-1953F412C126}" type="datetimeFigureOut">
               <a:rPr lang="en-US" dirty="0"/>
-              <a:t>4/17/2015</a:t>
+              <a:t>4/24/2015</a:t>
             </a:fld>
             <a:endParaRPr lang="en-US" dirty="0"/>
           </a:p>
@@ -8139,7 +8141,7 @@
           <a:p>
             <a:fld id="{48A87A34-81AB-432B-8DAE-1953F412C126}" type="datetimeFigureOut">
               <a:rPr lang="en-US" dirty="0"/>
-              <a:t>4/17/2015</a:t>
+              <a:t>4/24/2015</a:t>
             </a:fld>
             <a:endParaRPr lang="en-US" dirty="0"/>
           </a:p>
@@ -8252,7 +8254,7 @@
           <a:p>
             <a:fld id="{48A87A34-81AB-432B-8DAE-1953F412C126}" type="datetimeFigureOut">
               <a:rPr lang="en-US" dirty="0"/>
-              <a:t>4/17/2015</a:t>
+              <a:t>4/24/2015</a:t>
             </a:fld>
             <a:endParaRPr lang="en-US" dirty="0"/>
           </a:p>
@@ -8342,7 +8344,7 @@
           <a:p>
             <a:fld id="{48A87A34-81AB-432B-8DAE-1953F412C126}" type="datetimeFigureOut">
               <a:rPr lang="en-US" dirty="0"/>
-              <a:t>4/17/2015</a:t>
+              <a:t>4/24/2015</a:t>
             </a:fld>
             <a:endParaRPr lang="en-US" dirty="0"/>
           </a:p>
@@ -8586,7 +8588,7 @@
           <a:p>
             <a:fld id="{48A87A34-81AB-432B-8DAE-1953F412C126}" type="datetimeFigureOut">
               <a:rPr lang="en-US" dirty="0"/>
-              <a:t>4/17/2015</a:t>
+              <a:t>4/24/2015</a:t>
             </a:fld>
             <a:endParaRPr lang="en-US" dirty="0"/>
           </a:p>
@@ -8772,7 +8774,7 @@
           </a:lstStyle>
           <a:p>
             <a:r>
-              <a:rPr lang="en-US" smtClean="0"/>
+              <a:rPr lang="en-US" dirty="0" smtClean="0"/>
               <a:t>Click icon to add picture</a:t>
             </a:r>
             <a:endParaRPr lang="en-US" dirty="0"/>
@@ -8861,7 +8863,7 @@
           <a:p>
             <a:fld id="{48A87A34-81AB-432B-8DAE-1953F412C126}" type="datetimeFigureOut">
               <a:rPr lang="en-US" dirty="0"/>
-              <a:t>4/17/2015</a:t>
+              <a:t>4/24/2015</a:t>
             </a:fld>
             <a:endParaRPr lang="en-US" dirty="0"/>
           </a:p>
@@ -8972,7 +8974,7 @@
           <a:noFill/>
           <a:extLst>
             <a:ext uri="{909E8E84-426E-40dd-AFC4-6F175D3DCCD1}">
-              <a14:hiddenFill xmlns="" xmlns:a14="http://schemas.microsoft.com/office/drawing/2010/main">
+              <a14:hiddenFill xmlns:a14="http://schemas.microsoft.com/office/drawing/2010/main" xmlns="">
                 <a:solidFill>
                   <a:srgbClr val="FFFFFF"/>
                 </a:solidFill>
@@ -9046,7 +9048,7 @@
               </a:ln>
               <a:extLst>
                 <a:ext uri="{91240B29-F687-4f45-9708-019B960494DF}">
-                  <a14:hiddenLine xmlns="" xmlns:a14="http://schemas.microsoft.com/office/drawing/2010/main" w="9525">
+                  <a14:hiddenLine xmlns:a14="http://schemas.microsoft.com/office/drawing/2010/main" xmlns="" w="9525">
                     <a:solidFill>
                       <a:srgbClr val="000000"/>
                     </a:solidFill>
@@ -9136,7 +9138,7 @@
               </a:ln>
               <a:extLst>
                 <a:ext uri="{91240B29-F687-4f45-9708-019B960494DF}">
-                  <a14:hiddenLine xmlns="" xmlns:a14="http://schemas.microsoft.com/office/drawing/2010/main" w="9525">
+                  <a14:hiddenLine xmlns:a14="http://schemas.microsoft.com/office/drawing/2010/main" xmlns="" w="9525">
                     <a:solidFill>
                       <a:srgbClr val="000000"/>
                     </a:solidFill>
@@ -9226,7 +9228,7 @@
               </a:ln>
               <a:extLst>
                 <a:ext uri="{91240B29-F687-4f45-9708-019B960494DF}">
-                  <a14:hiddenLine xmlns="" xmlns:a14="http://schemas.microsoft.com/office/drawing/2010/main" w="9525">
+                  <a14:hiddenLine xmlns:a14="http://schemas.microsoft.com/office/drawing/2010/main" xmlns="" w="9525">
                     <a:solidFill>
                       <a:srgbClr val="000000"/>
                     </a:solidFill>
@@ -9288,7 +9290,7 @@
               </a:ln>
               <a:extLst>
                 <a:ext uri="{91240B29-F687-4f45-9708-019B960494DF}">
-                  <a14:hiddenLine xmlns="" xmlns:a14="http://schemas.microsoft.com/office/drawing/2010/main" w="9525">
+                  <a14:hiddenLine xmlns:a14="http://schemas.microsoft.com/office/drawing/2010/main" xmlns="" w="9525">
                     <a:solidFill>
                       <a:srgbClr val="000000"/>
                     </a:solidFill>
@@ -9378,7 +9380,7 @@
               </a:ln>
               <a:extLst>
                 <a:ext uri="{91240B29-F687-4f45-9708-019B960494DF}">
-                  <a14:hiddenLine xmlns="" xmlns:a14="http://schemas.microsoft.com/office/drawing/2010/main" w="9525">
+                  <a14:hiddenLine xmlns:a14="http://schemas.microsoft.com/office/drawing/2010/main" xmlns="" w="9525">
                     <a:solidFill>
                       <a:srgbClr val="000000"/>
                     </a:solidFill>
@@ -9440,7 +9442,7 @@
               </a:ln>
               <a:extLst>
                 <a:ext uri="{91240B29-F687-4f45-9708-019B960494DF}">
-                  <a14:hiddenLine xmlns="" xmlns:a14="http://schemas.microsoft.com/office/drawing/2010/main" w="9525">
+                  <a14:hiddenLine xmlns:a14="http://schemas.microsoft.com/office/drawing/2010/main" xmlns="" w="9525">
                     <a:solidFill>
                       <a:srgbClr val="000000"/>
                     </a:solidFill>
@@ -9502,7 +9504,7 @@
               </a:ln>
               <a:extLst>
                 <a:ext uri="{91240B29-F687-4f45-9708-019B960494DF}">
-                  <a14:hiddenLine xmlns="" xmlns:a14="http://schemas.microsoft.com/office/drawing/2010/main" w="9525">
+                  <a14:hiddenLine xmlns:a14="http://schemas.microsoft.com/office/drawing/2010/main" xmlns="" w="9525">
                     <a:solidFill>
                       <a:srgbClr val="000000"/>
                     </a:solidFill>
@@ -9592,7 +9594,7 @@
               </a:ln>
               <a:extLst>
                 <a:ext uri="{91240B29-F687-4f45-9708-019B960494DF}">
-                  <a14:hiddenLine xmlns="" xmlns:a14="http://schemas.microsoft.com/office/drawing/2010/main" w="9525">
+                  <a14:hiddenLine xmlns:a14="http://schemas.microsoft.com/office/drawing/2010/main" xmlns="" w="9525">
                     <a:solidFill>
                       <a:srgbClr val="000000"/>
                     </a:solidFill>
@@ -9682,7 +9684,7 @@
               </a:ln>
               <a:extLst>
                 <a:ext uri="{91240B29-F687-4f45-9708-019B960494DF}">
-                  <a14:hiddenLine xmlns="" xmlns:a14="http://schemas.microsoft.com/office/drawing/2010/main" w="9525">
+                  <a14:hiddenLine xmlns:a14="http://schemas.microsoft.com/office/drawing/2010/main" xmlns="" w="9525">
                     <a:solidFill>
                       <a:srgbClr val="000000"/>
                     </a:solidFill>
@@ -9744,7 +9746,7 @@
               </a:ln>
               <a:extLst>
                 <a:ext uri="{91240B29-F687-4f45-9708-019B960494DF}">
-                  <a14:hiddenLine xmlns="" xmlns:a14="http://schemas.microsoft.com/office/drawing/2010/main" w="9525">
+                  <a14:hiddenLine xmlns:a14="http://schemas.microsoft.com/office/drawing/2010/main" xmlns="" w="9525">
                     <a:solidFill>
                       <a:srgbClr val="000000"/>
                     </a:solidFill>
@@ -9854,7 +9856,7 @@
               </a:ln>
               <a:extLst>
                 <a:ext uri="{91240B29-F687-4f45-9708-019B960494DF}">
-                  <a14:hiddenLine xmlns="" xmlns:a14="http://schemas.microsoft.com/office/drawing/2010/main" w="9525">
+                  <a14:hiddenLine xmlns:a14="http://schemas.microsoft.com/office/drawing/2010/main" xmlns="" w="9525">
                     <a:solidFill>
                       <a:srgbClr val="000000"/>
                     </a:solidFill>
@@ -9938,7 +9940,7 @@
               </a:ln>
               <a:extLst>
                 <a:ext uri="{91240B29-F687-4f45-9708-019B960494DF}">
-                  <a14:hiddenLine xmlns="" xmlns:a14="http://schemas.microsoft.com/office/drawing/2010/main" w="9525">
+                  <a14:hiddenLine xmlns:a14="http://schemas.microsoft.com/office/drawing/2010/main" xmlns="" w="9525">
                     <a:solidFill>
                       <a:srgbClr val="000000"/>
                     </a:solidFill>
@@ -10000,7 +10002,7 @@
               </a:ln>
               <a:extLst>
                 <a:ext uri="{91240B29-F687-4f45-9708-019B960494DF}">
-                  <a14:hiddenLine xmlns="" xmlns:a14="http://schemas.microsoft.com/office/drawing/2010/main" w="9525">
+                  <a14:hiddenLine xmlns:a14="http://schemas.microsoft.com/office/drawing/2010/main" xmlns="" w="9525">
                     <a:solidFill>
                       <a:srgbClr val="000000"/>
                     </a:solidFill>
@@ -10062,7 +10064,7 @@
               </a:ln>
               <a:extLst>
                 <a:ext uri="{91240B29-F687-4f45-9708-019B960494DF}">
-                  <a14:hiddenLine xmlns="" xmlns:a14="http://schemas.microsoft.com/office/drawing/2010/main" w="9525">
+                  <a14:hiddenLine xmlns:a14="http://schemas.microsoft.com/office/drawing/2010/main" xmlns="" w="9525">
                     <a:solidFill>
                       <a:srgbClr val="000000"/>
                     </a:solidFill>
@@ -10152,7 +10154,7 @@
               </a:ln>
               <a:extLst>
                 <a:ext uri="{91240B29-F687-4f45-9708-019B960494DF}">
-                  <a14:hiddenLine xmlns="" xmlns:a14="http://schemas.microsoft.com/office/drawing/2010/main" w="9525">
+                  <a14:hiddenLine xmlns:a14="http://schemas.microsoft.com/office/drawing/2010/main" xmlns="" w="9525">
                     <a:solidFill>
                       <a:srgbClr val="000000"/>
                     </a:solidFill>
@@ -10186,7 +10188,7 @@
               </a:ln>
               <a:extLst>
                 <a:ext uri="{91240B29-F687-4f45-9708-019B960494DF}">
-                  <a14:hiddenLine xmlns="" xmlns:a14="http://schemas.microsoft.com/office/drawing/2010/main" w="9525">
+                  <a14:hiddenLine xmlns:a14="http://schemas.microsoft.com/office/drawing/2010/main" xmlns="" w="9525">
                     <a:solidFill>
                       <a:srgbClr val="000000"/>
                     </a:solidFill>
@@ -10251,7 +10253,7 @@
               </a:ln>
               <a:extLst>
                 <a:ext uri="{91240B29-F687-4f45-9708-019B960494DF}">
-                  <a14:hiddenLine xmlns="" xmlns:a14="http://schemas.microsoft.com/office/drawing/2010/main" w="9525">
+                  <a14:hiddenLine xmlns:a14="http://schemas.microsoft.com/office/drawing/2010/main" xmlns="" w="9525">
                     <a:solidFill>
                       <a:srgbClr val="000000"/>
                     </a:solidFill>
@@ -10341,7 +10343,7 @@
               </a:ln>
               <a:extLst>
                 <a:ext uri="{91240B29-F687-4f45-9708-019B960494DF}">
-                  <a14:hiddenLine xmlns="" xmlns:a14="http://schemas.microsoft.com/office/drawing/2010/main" w="9525">
+                  <a14:hiddenLine xmlns:a14="http://schemas.microsoft.com/office/drawing/2010/main" xmlns="" w="9525">
                     <a:solidFill>
                       <a:srgbClr val="000000"/>
                     </a:solidFill>
@@ -10403,7 +10405,7 @@
               </a:ln>
               <a:extLst>
                 <a:ext uri="{91240B29-F687-4f45-9708-019B960494DF}">
-                  <a14:hiddenLine xmlns="" xmlns:a14="http://schemas.microsoft.com/office/drawing/2010/main" w="9525">
+                  <a14:hiddenLine xmlns:a14="http://schemas.microsoft.com/office/drawing/2010/main" xmlns="" w="9525">
                     <a:solidFill>
                       <a:srgbClr val="000000"/>
                     </a:solidFill>
@@ -10493,7 +10495,7 @@
               </a:ln>
               <a:extLst>
                 <a:ext uri="{91240B29-F687-4f45-9708-019B960494DF}">
-                  <a14:hiddenLine xmlns="" xmlns:a14="http://schemas.microsoft.com/office/drawing/2010/main" w="9525">
+                  <a14:hiddenLine xmlns:a14="http://schemas.microsoft.com/office/drawing/2010/main" xmlns="" w="9525">
                     <a:solidFill>
                       <a:srgbClr val="000000"/>
                     </a:solidFill>
@@ -10558,7 +10560,7 @@
               </a:ln>
               <a:extLst>
                 <a:ext uri="{91240B29-F687-4f45-9708-019B960494DF}">
-                  <a14:hiddenLine xmlns="" xmlns:a14="http://schemas.microsoft.com/office/drawing/2010/main" w="9525">
+                  <a14:hiddenLine xmlns:a14="http://schemas.microsoft.com/office/drawing/2010/main" xmlns="" w="9525">
                     <a:solidFill>
                       <a:srgbClr val="000000"/>
                     </a:solidFill>
@@ -10620,7 +10622,7 @@
               </a:ln>
               <a:extLst>
                 <a:ext uri="{91240B29-F687-4f45-9708-019B960494DF}">
-                  <a14:hiddenLine xmlns="" xmlns:a14="http://schemas.microsoft.com/office/drawing/2010/main" w="9525">
+                  <a14:hiddenLine xmlns:a14="http://schemas.microsoft.com/office/drawing/2010/main" xmlns="" w="9525">
                     <a:solidFill>
                       <a:srgbClr val="000000"/>
                     </a:solidFill>
@@ -10710,7 +10712,7 @@
               </a:ln>
               <a:extLst>
                 <a:ext uri="{91240B29-F687-4f45-9708-019B960494DF}">
-                  <a14:hiddenLine xmlns="" xmlns:a14="http://schemas.microsoft.com/office/drawing/2010/main" w="9525">
+                  <a14:hiddenLine xmlns:a14="http://schemas.microsoft.com/office/drawing/2010/main" xmlns="" w="9525">
                     <a:solidFill>
                       <a:srgbClr val="000000"/>
                     </a:solidFill>
@@ -10800,7 +10802,7 @@
               </a:ln>
               <a:extLst>
                 <a:ext uri="{91240B29-F687-4f45-9708-019B960494DF}">
-                  <a14:hiddenLine xmlns="" xmlns:a14="http://schemas.microsoft.com/office/drawing/2010/main" w="9525">
+                  <a14:hiddenLine xmlns:a14="http://schemas.microsoft.com/office/drawing/2010/main" xmlns="" w="9525">
                     <a:solidFill>
                       <a:srgbClr val="000000"/>
                     </a:solidFill>
@@ -10865,7 +10867,7 @@
               </a:ln>
               <a:extLst>
                 <a:ext uri="{91240B29-F687-4f45-9708-019B960494DF}">
-                  <a14:hiddenLine xmlns="" xmlns:a14="http://schemas.microsoft.com/office/drawing/2010/main" w="9525">
+                  <a14:hiddenLine xmlns:a14="http://schemas.microsoft.com/office/drawing/2010/main" xmlns="" w="9525">
                     <a:solidFill>
                       <a:srgbClr val="000000"/>
                     </a:solidFill>
@@ -10985,7 +10987,7 @@
               </a:ln>
               <a:extLst>
                 <a:ext uri="{91240B29-F687-4f45-9708-019B960494DF}">
-                  <a14:hiddenLine xmlns="" xmlns:a14="http://schemas.microsoft.com/office/drawing/2010/main" w="9525">
+                  <a14:hiddenLine xmlns:a14="http://schemas.microsoft.com/office/drawing/2010/main" xmlns="" w="9525">
                     <a:solidFill>
                       <a:srgbClr val="000000"/>
                     </a:solidFill>
@@ -11083,7 +11085,7 @@
               </a:ln>
               <a:extLst>
                 <a:ext uri="{91240B29-F687-4f45-9708-019B960494DF}">
-                  <a14:hiddenLine xmlns="" xmlns:a14="http://schemas.microsoft.com/office/drawing/2010/main" w="9525">
+                  <a14:hiddenLine xmlns:a14="http://schemas.microsoft.com/office/drawing/2010/main" xmlns="" w="9525">
                     <a:solidFill>
                       <a:srgbClr val="000000"/>
                     </a:solidFill>
@@ -11198,7 +11200,7 @@
               </a:ln>
               <a:extLst>
                 <a:ext uri="{91240B29-F687-4f45-9708-019B960494DF}">
-                  <a14:hiddenLine xmlns="" xmlns:a14="http://schemas.microsoft.com/office/drawing/2010/main" w="9525">
+                  <a14:hiddenLine xmlns:a14="http://schemas.microsoft.com/office/drawing/2010/main" xmlns="" w="9525">
                     <a:solidFill>
                       <a:srgbClr val="000000"/>
                     </a:solidFill>
@@ -11288,7 +11290,7 @@
               </a:ln>
               <a:extLst>
                 <a:ext uri="{91240B29-F687-4f45-9708-019B960494DF}">
-                  <a14:hiddenLine xmlns="" xmlns:a14="http://schemas.microsoft.com/office/drawing/2010/main" w="9525">
+                  <a14:hiddenLine xmlns:a14="http://schemas.microsoft.com/office/drawing/2010/main" xmlns="" w="9525">
                     <a:solidFill>
                       <a:srgbClr val="000000"/>
                     </a:solidFill>
@@ -11353,7 +11355,7 @@
               </a:ln>
               <a:extLst>
                 <a:ext uri="{91240B29-F687-4f45-9708-019B960494DF}">
-                  <a14:hiddenLine xmlns="" xmlns:a14="http://schemas.microsoft.com/office/drawing/2010/main" w="9525">
+                  <a14:hiddenLine xmlns:a14="http://schemas.microsoft.com/office/drawing/2010/main" xmlns="" w="9525">
                     <a:solidFill>
                       <a:srgbClr val="000000"/>
                     </a:solidFill>
@@ -11443,7 +11445,7 @@
               </a:ln>
               <a:extLst>
                 <a:ext uri="{91240B29-F687-4f45-9708-019B960494DF}">
-                  <a14:hiddenLine xmlns="" xmlns:a14="http://schemas.microsoft.com/office/drawing/2010/main" w="9525">
+                  <a14:hiddenLine xmlns:a14="http://schemas.microsoft.com/office/drawing/2010/main" xmlns="" w="9525">
                     <a:solidFill>
                       <a:srgbClr val="000000"/>
                     </a:solidFill>
@@ -11511,7 +11513,7 @@
               </a:ln>
               <a:extLst>
                 <a:ext uri="{91240B29-F687-4f45-9708-019B960494DF}">
-                  <a14:hiddenLine xmlns="" xmlns:a14="http://schemas.microsoft.com/office/drawing/2010/main" w="9525">
+                  <a14:hiddenLine xmlns:a14="http://schemas.microsoft.com/office/drawing/2010/main" xmlns="" w="9525">
                     <a:solidFill>
                       <a:srgbClr val="000000"/>
                     </a:solidFill>
@@ -11601,7 +11603,7 @@
               </a:ln>
               <a:extLst>
                 <a:ext uri="{91240B29-F687-4f45-9708-019B960494DF}">
-                  <a14:hiddenLine xmlns="" xmlns:a14="http://schemas.microsoft.com/office/drawing/2010/main" w="9525">
+                  <a14:hiddenLine xmlns:a14="http://schemas.microsoft.com/office/drawing/2010/main" xmlns="" w="9525">
                     <a:solidFill>
                       <a:srgbClr val="000000"/>
                     </a:solidFill>
@@ -11669,7 +11671,7 @@
               </a:ln>
               <a:extLst>
                 <a:ext uri="{91240B29-F687-4f45-9708-019B960494DF}">
-                  <a14:hiddenLine xmlns="" xmlns:a14="http://schemas.microsoft.com/office/drawing/2010/main" w="9525">
+                  <a14:hiddenLine xmlns:a14="http://schemas.microsoft.com/office/drawing/2010/main" xmlns="" w="9525">
                     <a:solidFill>
                       <a:srgbClr val="000000"/>
                     </a:solidFill>
@@ -11759,7 +11761,7 @@
               </a:ln>
               <a:extLst>
                 <a:ext uri="{91240B29-F687-4f45-9708-019B960494DF}">
-                  <a14:hiddenLine xmlns="" xmlns:a14="http://schemas.microsoft.com/office/drawing/2010/main" w="9525">
+                  <a14:hiddenLine xmlns:a14="http://schemas.microsoft.com/office/drawing/2010/main" xmlns="" w="9525">
                     <a:solidFill>
                       <a:srgbClr val="000000"/>
                     </a:solidFill>
@@ -11793,7 +11795,7 @@
               </a:ln>
               <a:extLst>
                 <a:ext uri="{91240B29-F687-4f45-9708-019B960494DF}">
-                  <a14:hiddenLine xmlns="" xmlns:a14="http://schemas.microsoft.com/office/drawing/2010/main" w="9525">
+                  <a14:hiddenLine xmlns:a14="http://schemas.microsoft.com/office/drawing/2010/main" xmlns="" w="9525">
                     <a:solidFill>
                       <a:srgbClr val="000000"/>
                     </a:solidFill>
@@ -11934,7 +11936,7 @@
             <a:fld id="{48A87A34-81AB-432B-8DAE-1953F412C126}" type="datetimeFigureOut">
               <a:rPr lang="en-US" dirty="0"/>
               <a:pPr/>
-              <a:t>4/17/2015</a:t>
+              <a:t>4/24/2015</a:t>
             </a:fld>
             <a:endParaRPr lang="en-US" dirty="0"/>
           </a:p>
@@ -12390,19 +12392,7 @@
           <a:p>
             <a:r>
               <a:rPr lang="en-ZW" dirty="0" smtClean="0"/>
-              <a:t>By </a:t>
-            </a:r>
-            <a:r>
-              <a:rPr lang="en-ZW" dirty="0" err="1" smtClean="0"/>
-              <a:t>udean</a:t>
-            </a:r>
-            <a:r>
-              <a:rPr lang="en-ZW" dirty="0" smtClean="0"/>
-              <a:t> </a:t>
-            </a:r>
-            <a:r>
-              <a:rPr lang="en-ZW" dirty="0" err="1" smtClean="0"/>
-              <a:t>mbano</a:t>
+              <a:t>By udean mbano</a:t>
             </a:r>
             <a:endParaRPr lang="en-US" dirty="0"/>
           </a:p>
@@ -12492,15 +12482,7 @@
             </a:br>
             <a:r>
               <a:rPr lang="en-US" sz="2800" dirty="0"/>
-              <a:t>Create a </a:t>
-            </a:r>
-            <a:r>
-              <a:rPr lang="en-US" sz="2800" dirty="0" err="1"/>
-              <a:t>typesafe</a:t>
-            </a:r>
-            <a:r>
-              <a:rPr lang="en-US" sz="2800" dirty="0"/>
-              <a:t> collection class (for example, a stack) that can operate on data of any type.</a:t>
+              <a:t>Create a typesafe collection class (for example, a stack) that can operate on data of any type.</a:t>
             </a:r>
             <a:br>
               <a:rPr lang="en-US" sz="2800" dirty="0"/>
@@ -12612,15 +12594,7 @@
           <a:p>
             <a:r>
               <a:rPr lang="en-US" sz="3200" dirty="0"/>
-              <a:t>Templates are </a:t>
-            </a:r>
-            <a:r>
-              <a:rPr lang="en-US" sz="3200" dirty="0" err="1"/>
-              <a:t>typesafe</a:t>
-            </a:r>
-            <a:r>
-              <a:rPr lang="en-US" sz="3200" dirty="0"/>
-              <a:t>. Because the types that templates act upon are known at compile time, the compiler can perform type checking before errors occur.</a:t>
+              <a:t>Templates are typesafe. Because the types that templates act upon are known at compile time, the compiler can perform type checking before errors occur.</a:t>
             </a:r>
           </a:p>
           <a:p>
@@ -12632,6 +12606,203 @@
     <p:extLst>
       <p:ext uri="{BB962C8B-B14F-4D97-AF65-F5344CB8AC3E}">
         <p14:creationId xmlns:p14="http://schemas.microsoft.com/office/powerpoint/2010/main" val="2505210550"/>
+      </p:ext>
+    </p:extLst>
+  </p:cSld>
+  <p:clrMapOvr>
+    <a:masterClrMapping/>
+  </p:clrMapOvr>
+</p:sld>
+</file>
+
+<file path=ppt/slides/slide4.xml><?xml version="1.0" encoding="utf-8"?>
+<p:sld xmlns:a="http://schemas.openxmlformats.org/drawingml/2006/main" xmlns:r="http://schemas.openxmlformats.org/officeDocument/2006/relationships" xmlns:p="http://schemas.openxmlformats.org/presentationml/2006/main">
+  <p:cSld>
+    <p:spTree>
+      <p:nvGrpSpPr>
+        <p:cNvPr id="1" name=""/>
+        <p:cNvGrpSpPr/>
+        <p:nvPr/>
+      </p:nvGrpSpPr>
+      <p:grpSpPr>
+        <a:xfrm>
+          <a:off x="0" y="0"/>
+          <a:ext cx="0" cy="0"/>
+          <a:chOff x="0" y="0"/>
+          <a:chExt cx="0" cy="0"/>
+        </a:xfrm>
+      </p:grpSpPr>
+      <p:sp>
+        <p:nvSpPr>
+          <p:cNvPr id="2" name="Title 1"/>
+          <p:cNvSpPr>
+            <a:spLocks noGrp="1"/>
+          </p:cNvSpPr>
+          <p:nvPr>
+            <p:ph type="title"/>
+          </p:nvPr>
+        </p:nvSpPr>
+        <p:spPr>
+          <a:xfrm>
+            <a:off x="1300766" y="554123"/>
+            <a:ext cx="9905998" cy="811037"/>
+          </a:xfrm>
+        </p:spPr>
+        <p:txBody>
+          <a:bodyPr/>
+          <a:lstStyle/>
+          <a:p>
+            <a:r>
+              <a:rPr lang="en-ZW" dirty="0" smtClean="0"/>
+              <a:t>disadvantages</a:t>
+            </a:r>
+            <a:endParaRPr lang="en-US" dirty="0"/>
+          </a:p>
+        </p:txBody>
+      </p:sp>
+      <p:sp>
+        <p:nvSpPr>
+          <p:cNvPr id="3" name="Content Placeholder 2"/>
+          <p:cNvSpPr>
+            <a:spLocks noGrp="1"/>
+          </p:cNvSpPr>
+          <p:nvPr>
+            <p:ph idx="1"/>
+          </p:nvPr>
+        </p:nvSpPr>
+        <p:spPr>
+          <a:xfrm>
+            <a:off x="0" y="1519707"/>
+            <a:ext cx="11964473" cy="5679583"/>
+          </a:xfrm>
+        </p:spPr>
+        <p:txBody>
+          <a:bodyPr>
+            <a:normAutofit/>
+          </a:bodyPr>
+          <a:lstStyle/>
+          <a:p>
+            <a:r>
+              <a:rPr lang="en-US" sz="3200" dirty="0"/>
+              <a:t>First, many compilers historically have very poor support for templates, so the use </a:t>
+            </a:r>
+            <a:r>
+              <a:rPr lang="en-US" sz="3200" dirty="0" smtClean="0"/>
+              <a:t>of </a:t>
+            </a:r>
+            <a:r>
+              <a:rPr lang="en-US" sz="3200" dirty="0"/>
+              <a:t>templates can make code somewhat less </a:t>
+            </a:r>
+            <a:r>
+              <a:rPr lang="en-US" sz="3200" dirty="0" smtClean="0"/>
+              <a:t>portable.</a:t>
+            </a:r>
+          </a:p>
+          <a:p>
+            <a:r>
+              <a:rPr lang="en-US" sz="3200" dirty="0"/>
+              <a:t>A</a:t>
+            </a:r>
+            <a:r>
+              <a:rPr lang="en-US" sz="3200" dirty="0" smtClean="0"/>
+              <a:t>lmost </a:t>
+            </a:r>
+            <a:r>
+              <a:rPr lang="en-US" sz="3200" dirty="0"/>
+              <a:t>all compilers produce confusing, unhelpful error messages when errors are detected in template code. This can make templates difficult to develop</a:t>
+            </a:r>
+            <a:r>
+              <a:rPr lang="en-US" sz="3200" dirty="0" smtClean="0"/>
+              <a:t>.</a:t>
+            </a:r>
+          </a:p>
+        </p:txBody>
+      </p:sp>
+    </p:spTree>
+    <p:extLst>
+      <p:ext uri="{BB962C8B-B14F-4D97-AF65-F5344CB8AC3E}">
+        <p14:creationId xmlns:p14="http://schemas.microsoft.com/office/powerpoint/2010/main" val="4042866921"/>
+      </p:ext>
+    </p:extLst>
+  </p:cSld>
+  <p:clrMapOvr>
+    <a:masterClrMapping/>
+  </p:clrMapOvr>
+</p:sld>
+</file>
+
+<file path=ppt/slides/slide5.xml><?xml version="1.0" encoding="utf-8"?>
+<p:sld xmlns:a="http://schemas.openxmlformats.org/drawingml/2006/main" xmlns:r="http://schemas.openxmlformats.org/officeDocument/2006/relationships" xmlns:p="http://schemas.openxmlformats.org/presentationml/2006/main">
+  <p:cSld>
+    <p:spTree>
+      <p:nvGrpSpPr>
+        <p:cNvPr id="1" name=""/>
+        <p:cNvGrpSpPr/>
+        <p:nvPr/>
+      </p:nvGrpSpPr>
+      <p:grpSpPr>
+        <a:xfrm>
+          <a:off x="0" y="0"/>
+          <a:ext cx="0" cy="0"/>
+          <a:chOff x="0" y="0"/>
+          <a:chExt cx="0" cy="0"/>
+        </a:xfrm>
+      </p:grpSpPr>
+      <p:sp>
+        <p:nvSpPr>
+          <p:cNvPr id="3" name="Content Placeholder 2"/>
+          <p:cNvSpPr>
+            <a:spLocks noGrp="1"/>
+          </p:cNvSpPr>
+          <p:nvPr>
+            <p:ph idx="1"/>
+          </p:nvPr>
+        </p:nvSpPr>
+        <p:spPr>
+          <a:xfrm>
+            <a:off x="1141412" y="347730"/>
+            <a:ext cx="9905999" cy="6349284"/>
+          </a:xfrm>
+        </p:spPr>
+        <p:txBody>
+          <a:bodyPr>
+            <a:normAutofit/>
+          </a:bodyPr>
+          <a:lstStyle/>
+          <a:p>
+            <a:r>
+              <a:rPr lang="en-US" sz="3200" dirty="0"/>
+              <a:t>Third, each use of a template may cause the compiler to generate extra code (an </a:t>
+            </a:r>
+            <a:r>
+              <a:rPr lang="en-US" sz="3200" i="1" dirty="0"/>
+              <a:t>instantiation</a:t>
+            </a:r>
+            <a:r>
+              <a:rPr lang="en-US" sz="3200" dirty="0"/>
+              <a:t> of the template), so the indiscriminate use of templates can lead to </a:t>
+            </a:r>
+            <a:r>
+              <a:rPr lang="en-US" sz="3200" dirty="0">
+                <a:hlinkClick r:id="rId2" tooltip="Code bloat"/>
+              </a:rPr>
+              <a:t>code bloat</a:t>
+            </a:r>
+            <a:r>
+              <a:rPr lang="en-US" sz="3200" dirty="0"/>
+              <a:t>, resulting in excessively large executables. The extra instantiations generated by templates can also cause debuggers to have difficulty working gracefully with templates. For example, setting a debug breakpoint within a template from a source file may either miss setting the breakpoint in the actual instantiation desired or may set a breakpoint in every place the template is instantiated</a:t>
+            </a:r>
+          </a:p>
+          <a:p>
+            <a:endParaRPr lang="en-US" dirty="0"/>
+          </a:p>
+        </p:txBody>
+      </p:sp>
+    </p:spTree>
+    <p:extLst>
+      <p:ext uri="{BB962C8B-B14F-4D97-AF65-F5344CB8AC3E}">
+        <p14:creationId xmlns:p14="http://schemas.microsoft.com/office/powerpoint/2010/main" val="3893328696"/>
       </p:ext>
     </p:extLst>
   </p:cSld>
